--- a/Garage_mfc/状态和状态机.pptx
+++ b/Garage_mfc/状态和状态机.pptx
@@ -5,10 +5,10 @@
     <p:sldMasterId id="2147483659" r:id="rId1"/>
   </p:sldMasterIdLst>
   <p:notesMasterIdLst>
-    <p:notesMasterId r:id="rId25"/>
+    <p:notesMasterId r:id="rId26"/>
   </p:notesMasterIdLst>
   <p:handoutMasterIdLst>
-    <p:handoutMasterId r:id="rId26"/>
+    <p:handoutMasterId r:id="rId27"/>
   </p:handoutMasterIdLst>
   <p:sldIdLst>
     <p:sldId id="335" r:id="rId2"/>
@@ -34,6 +34,7 @@
     <p:sldId id="356" r:id="rId22"/>
     <p:sldId id="357" r:id="rId23"/>
     <p:sldId id="358" r:id="rId24"/>
+    <p:sldId id="359" r:id="rId25"/>
   </p:sldIdLst>
   <p:sldSz cx="9144000" cy="6858000" type="screen4x3"/>
   <p:notesSz cx="6858000" cy="9144000"/>
@@ -6885,7 +6886,7 @@
           <a:graphicData uri="http://schemas.openxmlformats.org/presentationml/2006/ole">
             <mc:AlternateContent xmlns:mc="http://schemas.openxmlformats.org/markup-compatibility/2006">
               <mc:Choice xmlns:v="urn:schemas-microsoft-com:vml" Requires="v">
-                <p:oleObj spid="_x0000_s3090" name="Visio" r:id="rId4" imgW="1830313" imgH="456553" progId="Visio.Drawing.11">
+                <p:oleObj spid="_x0000_s3093" name="Visio" r:id="rId4" imgW="1830313" imgH="456553" progId="Visio.Drawing.11">
                   <p:link updateAutomatic="1"/>
                 </p:oleObj>
               </mc:Choice>
@@ -7994,7 +7995,7 @@
           <a:graphicData uri="http://schemas.openxmlformats.org/presentationml/2006/ole">
             <mc:AlternateContent xmlns:mc="http://schemas.openxmlformats.org/markup-compatibility/2006">
               <mc:Choice xmlns:v="urn:schemas-microsoft-com:vml" Requires="v">
-                <p:oleObj spid="_x0000_s4112" name="Visio" r:id="rId4" imgW="4370097" imgH="877953" progId="Visio.Drawing.11">
+                <p:oleObj spid="_x0000_s4115" name="Visio" r:id="rId4" imgW="4370097" imgH="877953" progId="Visio.Drawing.11">
                   <p:link updateAutomatic="1"/>
                 </p:oleObj>
               </mc:Choice>
@@ -9347,6 +9348,354 @@
       </p:par>
     </p:tnLst>
   </p:timing>
+</p:sld>
+</file>
+
+<file path=ppt/slides/slide24.xml><?xml version="1.0" encoding="utf-8"?>
+<p:sld xmlns:a="http://schemas.openxmlformats.org/drawingml/2006/main" xmlns:r="http://schemas.openxmlformats.org/officeDocument/2006/relationships" xmlns:p="http://schemas.openxmlformats.org/presentationml/2006/main">
+  <p:cSld>
+    <p:spTree>
+      <p:nvGrpSpPr>
+        <p:cNvPr id="1" name=""/>
+        <p:cNvGrpSpPr/>
+        <p:nvPr/>
+      </p:nvGrpSpPr>
+      <p:grpSpPr>
+        <a:xfrm>
+          <a:off x="0" y="0"/>
+          <a:ext cx="0" cy="0"/>
+          <a:chOff x="0" y="0"/>
+          <a:chExt cx="0" cy="0"/>
+        </a:xfrm>
+      </p:grpSpPr>
+      <p:sp>
+        <p:nvSpPr>
+          <p:cNvPr id="2" name="标题 1"/>
+          <p:cNvSpPr>
+            <a:spLocks noGrp="1"/>
+          </p:cNvSpPr>
+          <p:nvPr>
+            <p:ph type="title"/>
+          </p:nvPr>
+        </p:nvSpPr>
+        <p:spPr>
+          <a:xfrm>
+            <a:off x="179512" y="620688"/>
+            <a:ext cx="2736304" cy="1224136"/>
+          </a:xfrm>
+        </p:spPr>
+        <p:txBody>
+          <a:bodyPr/>
+          <a:lstStyle/>
+          <a:p>
+            <a:pPr algn="l"/>
+            <a:r>
+              <a:rPr lang="zh-CN" altLang="en-US" sz="2800" dirty="0" smtClean="0"/>
+              <a:t>三层电梯状态机仿真程序</a:t>
+            </a:r>
+            <a:endParaRPr lang="zh-CN" altLang="en-US" sz="2800" dirty="0"/>
+          </a:p>
+        </p:txBody>
+      </p:sp>
+      <p:pic>
+        <p:nvPicPr>
+          <p:cNvPr id="5123" name="Picture 3"/>
+          <p:cNvPicPr>
+            <a:picLocks noChangeAspect="1" noChangeArrowheads="1"/>
+          </p:cNvPicPr>
+          <p:nvPr/>
+        </p:nvPicPr>
+        <p:blipFill>
+          <a:blip r:embed="rId2">
+            <a:extLst>
+              <a:ext uri="{28A0092B-C50C-407E-A947-70E740481C1C}">
+                <a14:useLocalDpi xmlns:a14="http://schemas.microsoft.com/office/drawing/2010/main" val="0"/>
+              </a:ext>
+            </a:extLst>
+          </a:blip>
+          <a:srcRect/>
+          <a:stretch>
+            <a:fillRect/>
+          </a:stretch>
+        </p:blipFill>
+        <p:spPr bwMode="auto">
+          <a:xfrm>
+            <a:off x="3763032" y="116632"/>
+            <a:ext cx="5150525" cy="6624736"/>
+          </a:xfrm>
+          <a:prstGeom prst="rect">
+            <a:avLst/>
+          </a:prstGeom>
+          <a:noFill/>
+          <a:ln>
+            <a:noFill/>
+          </a:ln>
+          <a:extLst>
+            <a:ext uri="{909E8E84-426E-40DD-AFC4-6F175D3DCCD1}">
+              <a14:hiddenFill xmlns:a14="http://schemas.microsoft.com/office/drawing/2010/main">
+                <a:solidFill>
+                  <a:schemeClr val="accent1"/>
+                </a:solidFill>
+              </a14:hiddenFill>
+            </a:ext>
+            <a:ext uri="{91240B29-F687-4F45-9708-019B960494DF}">
+              <a14:hiddenLine xmlns:a14="http://schemas.microsoft.com/office/drawing/2010/main" w="9525">
+                <a:solidFill>
+                  <a:schemeClr val="tx1"/>
+                </a:solidFill>
+                <a:miter lim="800000"/>
+                <a:headEnd/>
+                <a:tailEnd/>
+              </a14:hiddenLine>
+            </a:ext>
+          </a:extLst>
+        </p:spPr>
+      </p:pic>
+      <p:sp>
+        <p:nvSpPr>
+          <p:cNvPr id="3" name="圆角矩形标注 2"/>
+          <p:cNvSpPr/>
+          <p:nvPr/>
+        </p:nvSpPr>
+        <p:spPr>
+          <a:xfrm>
+            <a:off x="7812360" y="2924944"/>
+            <a:ext cx="1245213" cy="432048"/>
+          </a:xfrm>
+          <a:prstGeom prst="wedgeRoundRectCallout">
+            <a:avLst>
+              <a:gd name="adj1" fmla="val -65230"/>
+              <a:gd name="adj2" fmla="val 50742"/>
+              <a:gd name="adj3" fmla="val 16667"/>
+            </a:avLst>
+          </a:prstGeom>
+        </p:spPr>
+        <p:style>
+          <a:lnRef idx="2">
+            <a:schemeClr val="accent1">
+              <a:shade val="50000"/>
+            </a:schemeClr>
+          </a:lnRef>
+          <a:fillRef idx="1">
+            <a:schemeClr val="accent1"/>
+          </a:fillRef>
+          <a:effectRef idx="0">
+            <a:schemeClr val="accent1"/>
+          </a:effectRef>
+          <a:fontRef idx="minor">
+            <a:schemeClr val="lt1"/>
+          </a:fontRef>
+        </p:style>
+        <p:txBody>
+          <a:bodyPr rtlCol="0" anchor="ctr"/>
+          <a:lstStyle/>
+          <a:p>
+            <a:pPr algn="ctr"/>
+            <a:r>
+              <a:rPr lang="en-US" altLang="zh-CN" dirty="0" smtClean="0">
+                <a:solidFill>
+                  <a:schemeClr val="tx1"/>
+                </a:solidFill>
+              </a:rPr>
+              <a:t>Call Light</a:t>
+            </a:r>
+            <a:endParaRPr lang="zh-CN" altLang="en-US" dirty="0">
+              <a:solidFill>
+                <a:schemeClr val="tx1"/>
+              </a:solidFill>
+            </a:endParaRPr>
+          </a:p>
+        </p:txBody>
+      </p:sp>
+      <p:sp>
+        <p:nvSpPr>
+          <p:cNvPr id="6" name="圆角矩形标注 5"/>
+          <p:cNvSpPr/>
+          <p:nvPr/>
+        </p:nvSpPr>
+        <p:spPr>
+          <a:xfrm>
+            <a:off x="4932040" y="3532022"/>
+            <a:ext cx="1872208" cy="432048"/>
+          </a:xfrm>
+          <a:prstGeom prst="wedgeRoundRectCallout">
+            <a:avLst>
+              <a:gd name="adj1" fmla="val -65230"/>
+              <a:gd name="adj2" fmla="val 50742"/>
+              <a:gd name="adj3" fmla="val 16667"/>
+            </a:avLst>
+          </a:prstGeom>
+        </p:spPr>
+        <p:style>
+          <a:lnRef idx="2">
+            <a:schemeClr val="accent1">
+              <a:shade val="50000"/>
+            </a:schemeClr>
+          </a:lnRef>
+          <a:fillRef idx="1">
+            <a:schemeClr val="accent1"/>
+          </a:fillRef>
+          <a:effectRef idx="0">
+            <a:schemeClr val="accent1"/>
+          </a:effectRef>
+          <a:fontRef idx="minor">
+            <a:schemeClr val="lt1"/>
+          </a:fontRef>
+        </p:style>
+        <p:txBody>
+          <a:bodyPr rtlCol="0" anchor="ctr"/>
+          <a:lstStyle/>
+          <a:p>
+            <a:pPr algn="ctr"/>
+            <a:r>
+              <a:rPr lang="en-US" altLang="zh-CN" dirty="0" smtClean="0">
+                <a:solidFill>
+                  <a:schemeClr val="tx1"/>
+                </a:solidFill>
+              </a:rPr>
+              <a:t>Panel Floor Light</a:t>
+            </a:r>
+            <a:endParaRPr lang="zh-CN" altLang="en-US" dirty="0">
+              <a:solidFill>
+                <a:schemeClr val="tx1"/>
+              </a:solidFill>
+            </a:endParaRPr>
+          </a:p>
+        </p:txBody>
+      </p:sp>
+      <p:sp>
+        <p:nvSpPr>
+          <p:cNvPr id="7" name="圆角矩形标注 6"/>
+          <p:cNvSpPr/>
+          <p:nvPr/>
+        </p:nvSpPr>
+        <p:spPr>
+          <a:xfrm>
+            <a:off x="4860032" y="4293096"/>
+            <a:ext cx="1872208" cy="432048"/>
+          </a:xfrm>
+          <a:prstGeom prst="wedgeRoundRectCallout">
+            <a:avLst>
+              <a:gd name="adj1" fmla="val -57716"/>
+              <a:gd name="adj2" fmla="val 134856"/>
+              <a:gd name="adj3" fmla="val 16667"/>
+            </a:avLst>
+          </a:prstGeom>
+        </p:spPr>
+        <p:style>
+          <a:lnRef idx="2">
+            <a:schemeClr val="accent1">
+              <a:shade val="50000"/>
+            </a:schemeClr>
+          </a:lnRef>
+          <a:fillRef idx="1">
+            <a:schemeClr val="accent1"/>
+          </a:fillRef>
+          <a:effectRef idx="0">
+            <a:schemeClr val="accent1"/>
+          </a:effectRef>
+          <a:fontRef idx="minor">
+            <a:schemeClr val="lt1"/>
+          </a:fontRef>
+        </p:style>
+        <p:txBody>
+          <a:bodyPr rtlCol="0" anchor="ctr"/>
+          <a:lstStyle/>
+          <a:p>
+            <a:pPr algn="ctr"/>
+            <a:r>
+              <a:rPr lang="en-US" altLang="zh-CN" dirty="0" smtClean="0">
+                <a:solidFill>
+                  <a:schemeClr val="tx1"/>
+                </a:solidFill>
+              </a:rPr>
+              <a:t>Close Door Light</a:t>
+            </a:r>
+            <a:endParaRPr lang="zh-CN" altLang="en-US" dirty="0">
+              <a:solidFill>
+                <a:schemeClr val="tx1"/>
+              </a:solidFill>
+            </a:endParaRPr>
+          </a:p>
+        </p:txBody>
+      </p:sp>
+      <p:sp>
+        <p:nvSpPr>
+          <p:cNvPr id="8" name="圆角矩形标注 7"/>
+          <p:cNvSpPr/>
+          <p:nvPr/>
+        </p:nvSpPr>
+        <p:spPr>
+          <a:xfrm>
+            <a:off x="1890824" y="4509120"/>
+            <a:ext cx="1872208" cy="432048"/>
+          </a:xfrm>
+          <a:prstGeom prst="wedgeRoundRectCallout">
+            <a:avLst>
+              <a:gd name="adj1" fmla="val 55620"/>
+              <a:gd name="adj2" fmla="val 140283"/>
+              <a:gd name="adj3" fmla="val 16667"/>
+            </a:avLst>
+          </a:prstGeom>
+        </p:spPr>
+        <p:style>
+          <a:lnRef idx="2">
+            <a:schemeClr val="accent1">
+              <a:shade val="50000"/>
+            </a:schemeClr>
+          </a:lnRef>
+          <a:fillRef idx="1">
+            <a:schemeClr val="accent1"/>
+          </a:fillRef>
+          <a:effectRef idx="0">
+            <a:schemeClr val="accent1"/>
+          </a:effectRef>
+          <a:fontRef idx="minor">
+            <a:schemeClr val="lt1"/>
+          </a:fontRef>
+        </p:style>
+        <p:txBody>
+          <a:bodyPr rtlCol="0" anchor="ctr"/>
+          <a:lstStyle/>
+          <a:p>
+            <a:pPr algn="ctr"/>
+            <a:r>
+              <a:rPr lang="en-US" altLang="zh-CN" smtClean="0">
+                <a:solidFill>
+                  <a:schemeClr val="tx1"/>
+                </a:solidFill>
+              </a:rPr>
+              <a:t>Open Door </a:t>
+            </a:r>
+            <a:r>
+              <a:rPr lang="en-US" altLang="zh-CN" dirty="0" smtClean="0">
+                <a:solidFill>
+                  <a:schemeClr val="tx1"/>
+                </a:solidFill>
+              </a:rPr>
+              <a:t>Light</a:t>
+            </a:r>
+            <a:endParaRPr lang="zh-CN" altLang="en-US" dirty="0">
+              <a:solidFill>
+                <a:schemeClr val="tx1"/>
+              </a:solidFill>
+            </a:endParaRPr>
+          </a:p>
+        </p:txBody>
+      </p:sp>
+    </p:spTree>
+    <p:extLst>
+      <p:ext uri="{BB962C8B-B14F-4D97-AF65-F5344CB8AC3E}">
+        <p14:creationId xmlns:p14="http://schemas.microsoft.com/office/powerpoint/2010/main" val="551567485"/>
+      </p:ext>
+    </p:extLst>
+  </p:cSld>
+  <p:clrMapOvr>
+    <a:masterClrMapping/>
+  </p:clrMapOvr>
+  <p:transition>
+    <p:random/>
+  </p:transition>
 </p:sld>
 </file>
 

--- a/Garage_mfc/状态和状态机.pptx
+++ b/Garage_mfc/状态和状态机.pptx
@@ -5,10 +5,10 @@
     <p:sldMasterId id="2147483659" r:id="rId1"/>
   </p:sldMasterIdLst>
   <p:notesMasterIdLst>
-    <p:notesMasterId r:id="rId26"/>
+    <p:notesMasterId r:id="rId27"/>
   </p:notesMasterIdLst>
   <p:handoutMasterIdLst>
-    <p:handoutMasterId r:id="rId27"/>
+    <p:handoutMasterId r:id="rId28"/>
   </p:handoutMasterIdLst>
   <p:sldIdLst>
     <p:sldId id="335" r:id="rId2"/>
@@ -35,6 +35,7 @@
     <p:sldId id="357" r:id="rId23"/>
     <p:sldId id="358" r:id="rId24"/>
     <p:sldId id="359" r:id="rId25"/>
+    <p:sldId id="360" r:id="rId26"/>
   </p:sldIdLst>
   <p:sldSz cx="9144000" cy="6858000" type="screen4x3"/>
   <p:notesSz cx="6858000" cy="9144000"/>
@@ -6873,7 +6874,7 @@
           <p:nvPr>
             <p:extLst>
               <p:ext uri="{D42A27DB-BD31-4B8C-83A1-F6EECF244321}">
-                <p14:modId xmlns:p14="http://schemas.microsoft.com/office/powerpoint/2010/main" val="3355753834"/>
+                <p14:modId xmlns:p14="http://schemas.microsoft.com/office/powerpoint/2010/main" val="3690773579"/>
               </p:ext>
             </p:extLst>
           </p:nvPr>
@@ -6886,7 +6887,7 @@
           <a:graphicData uri="http://schemas.openxmlformats.org/presentationml/2006/ole">
             <mc:AlternateContent xmlns:mc="http://schemas.openxmlformats.org/markup-compatibility/2006">
               <mc:Choice xmlns:v="urn:schemas-microsoft-com:vml" Requires="v">
-                <p:oleObj spid="_x0000_s3093" name="Visio" r:id="rId4" imgW="1830313" imgH="456553" progId="Visio.Drawing.11">
+                <p:oleObj spid="_x0000_s3104" name="Visio" r:id="rId4" imgW="1830313" imgH="456553" progId="Visio.Drawing.11">
                   <p:link updateAutomatic="1"/>
                 </p:oleObj>
               </mc:Choice>
@@ -7982,7 +7983,7 @@
           <p:nvPr>
             <p:extLst>
               <p:ext uri="{D42A27DB-BD31-4B8C-83A1-F6EECF244321}">
-                <p14:modId xmlns:p14="http://schemas.microsoft.com/office/powerpoint/2010/main" val="4111657597"/>
+                <p14:modId xmlns:p14="http://schemas.microsoft.com/office/powerpoint/2010/main" val="1209448600"/>
               </p:ext>
             </p:extLst>
           </p:nvPr>
@@ -7995,7 +7996,7 @@
           <a:graphicData uri="http://schemas.openxmlformats.org/presentationml/2006/ole">
             <mc:AlternateContent xmlns:mc="http://schemas.openxmlformats.org/markup-compatibility/2006">
               <mc:Choice xmlns:v="urn:schemas-microsoft-com:vml" Requires="v">
-                <p:oleObj spid="_x0000_s4115" name="Visio" r:id="rId4" imgW="4370097" imgH="877953" progId="Visio.Drawing.11">
+                <p:oleObj spid="_x0000_s4126" name="Visio" r:id="rId4" imgW="4370097" imgH="877953" progId="Visio.Drawing.11">
                   <p:link updateAutomatic="1"/>
                 </p:oleObj>
               </mc:Choice>
@@ -9687,6 +9688,519 @@
     <p:extLst>
       <p:ext uri="{BB962C8B-B14F-4D97-AF65-F5344CB8AC3E}">
         <p14:creationId xmlns:p14="http://schemas.microsoft.com/office/powerpoint/2010/main" val="551567485"/>
+      </p:ext>
+    </p:extLst>
+  </p:cSld>
+  <p:clrMapOvr>
+    <a:masterClrMapping/>
+  </p:clrMapOvr>
+  <p:transition>
+    <p:random/>
+  </p:transition>
+</p:sld>
+</file>
+
+<file path=ppt/slides/slide25.xml><?xml version="1.0" encoding="utf-8"?>
+<p:sld xmlns:a="http://schemas.openxmlformats.org/drawingml/2006/main" xmlns:r="http://schemas.openxmlformats.org/officeDocument/2006/relationships" xmlns:p="http://schemas.openxmlformats.org/presentationml/2006/main">
+  <p:cSld>
+    <p:spTree>
+      <p:nvGrpSpPr>
+        <p:cNvPr id="1" name=""/>
+        <p:cNvGrpSpPr/>
+        <p:nvPr/>
+      </p:nvGrpSpPr>
+      <p:grpSpPr>
+        <a:xfrm>
+          <a:off x="0" y="0"/>
+          <a:ext cx="0" cy="0"/>
+          <a:chOff x="0" y="0"/>
+          <a:chExt cx="0" cy="0"/>
+        </a:xfrm>
+      </p:grpSpPr>
+      <p:sp>
+        <p:nvSpPr>
+          <p:cNvPr id="2" name="标题 1"/>
+          <p:cNvSpPr>
+            <a:spLocks noGrp="1"/>
+          </p:cNvSpPr>
+          <p:nvPr>
+            <p:ph type="title"/>
+          </p:nvPr>
+        </p:nvSpPr>
+        <p:spPr>
+          <a:xfrm>
+            <a:off x="352425" y="342230"/>
+            <a:ext cx="8612188" cy="998538"/>
+          </a:xfrm>
+        </p:spPr>
+        <p:txBody>
+          <a:bodyPr/>
+          <a:lstStyle/>
+          <a:p>
+            <a:r>
+              <a:rPr lang="zh-CN" altLang="en-US" dirty="0"/>
+              <a:t>三层电梯状态机仿真程序</a:t>
+            </a:r>
+          </a:p>
+        </p:txBody>
+      </p:sp>
+      <p:sp>
+        <p:nvSpPr>
+          <p:cNvPr id="3" name="TextBox 2"/>
+          <p:cNvSpPr txBox="1"/>
+          <p:nvPr/>
+        </p:nvSpPr>
+        <p:spPr>
+          <a:xfrm>
+            <a:off x="2267744" y="1407060"/>
+            <a:ext cx="1800200" cy="923330"/>
+          </a:xfrm>
+          <a:prstGeom prst="rect">
+            <a:avLst/>
+          </a:prstGeom>
+          <a:noFill/>
+          <a:ln>
+            <a:solidFill>
+              <a:srgbClr val="FF0000"/>
+            </a:solidFill>
+          </a:ln>
+        </p:spPr>
+        <p:txBody>
+          <a:bodyPr wrap="square" rtlCol="0">
+            <a:spAutoFit/>
+          </a:bodyPr>
+          <a:lstStyle/>
+          <a:p>
+            <a:pPr>
+              <a:lnSpc>
+                <a:spcPct val="150000"/>
+              </a:lnSpc>
+            </a:pPr>
+            <a:r>
+              <a:rPr lang="en-US" altLang="zh-CN" b="1" dirty="0" err="1" smtClean="0">
+                <a:solidFill>
+                  <a:srgbClr val="FF0000"/>
+                </a:solidFill>
+              </a:rPr>
+              <a:t>ElevatorLib.h</a:t>
+            </a:r>
+            <a:endParaRPr lang="en-US" altLang="zh-CN" b="1" dirty="0" smtClean="0">
+              <a:solidFill>
+                <a:srgbClr val="FF0000"/>
+              </a:solidFill>
+            </a:endParaRPr>
+          </a:p>
+          <a:p>
+            <a:pPr>
+              <a:lnSpc>
+                <a:spcPct val="150000"/>
+              </a:lnSpc>
+            </a:pPr>
+            <a:r>
+              <a:rPr lang="zh-CN" altLang="en-US" dirty="0" smtClean="0"/>
+              <a:t>各个库函数说明</a:t>
+            </a:r>
+            <a:endParaRPr lang="zh-CN" altLang="en-US" dirty="0"/>
+          </a:p>
+        </p:txBody>
+      </p:sp>
+      <p:sp>
+        <p:nvSpPr>
+          <p:cNvPr id="5" name="TextBox 4"/>
+          <p:cNvSpPr txBox="1"/>
+          <p:nvPr/>
+        </p:nvSpPr>
+        <p:spPr>
+          <a:xfrm>
+            <a:off x="4283968" y="1340768"/>
+            <a:ext cx="4752528" cy="5078313"/>
+          </a:xfrm>
+          <a:prstGeom prst="rect">
+            <a:avLst/>
+          </a:prstGeom>
+          <a:noFill/>
+          <a:ln>
+            <a:solidFill>
+              <a:srgbClr val="FF0000"/>
+            </a:solidFill>
+          </a:ln>
+        </p:spPr>
+        <p:txBody>
+          <a:bodyPr wrap="square" rtlCol="0">
+            <a:spAutoFit/>
+          </a:bodyPr>
+          <a:lstStyle/>
+          <a:p>
+            <a:pPr>
+              <a:lnSpc>
+                <a:spcPct val="150000"/>
+              </a:lnSpc>
+            </a:pPr>
+            <a:r>
+              <a:rPr lang="zh-CN" altLang="en-US" b="1" dirty="0" smtClean="0">
+                <a:solidFill>
+                  <a:srgbClr val="FF0000"/>
+                </a:solidFill>
+              </a:rPr>
+              <a:t>状态机代码：</a:t>
+            </a:r>
+            <a:endParaRPr lang="en-US" altLang="zh-CN" b="1" dirty="0" smtClean="0">
+              <a:solidFill>
+                <a:srgbClr val="FF0000"/>
+              </a:solidFill>
+            </a:endParaRPr>
+          </a:p>
+          <a:p>
+            <a:pPr>
+              <a:lnSpc>
+                <a:spcPct val="150000"/>
+              </a:lnSpc>
+            </a:pPr>
+            <a:r>
+              <a:rPr lang="en-US" altLang="zh-CN" b="1" dirty="0" smtClean="0">
+                <a:solidFill>
+                  <a:srgbClr val="FF0000"/>
+                </a:solidFill>
+              </a:rPr>
+              <a:t>elevator.cpp</a:t>
+            </a:r>
+          </a:p>
+          <a:p>
+            <a:pPr>
+              <a:lnSpc>
+                <a:spcPct val="150000"/>
+              </a:lnSpc>
+            </a:pPr>
+            <a:r>
+              <a:rPr lang="en-US" altLang="zh-CN" b="1" dirty="0" smtClean="0">
+                <a:solidFill>
+                  <a:srgbClr val="FF0000"/>
+                </a:solidFill>
+              </a:rPr>
+              <a:t>//</a:t>
+            </a:r>
+            <a:r>
+              <a:rPr lang="zh-CN" altLang="en-US" b="1" dirty="0">
+                <a:solidFill>
+                  <a:srgbClr val="FF0000"/>
+                </a:solidFill>
+              </a:rPr>
+              <a:t>状态机，每隔一定时间</a:t>
+            </a:r>
+            <a:r>
+              <a:rPr lang="en-US" altLang="zh-CN" b="1" dirty="0">
+                <a:solidFill>
+                  <a:srgbClr val="FF0000"/>
+                </a:solidFill>
+              </a:rPr>
+              <a:t>(</a:t>
+            </a:r>
+            <a:r>
+              <a:rPr lang="zh-CN" altLang="en-US" b="1" dirty="0">
+                <a:solidFill>
+                  <a:srgbClr val="FF0000"/>
+                </a:solidFill>
+              </a:rPr>
+              <a:t>如，</a:t>
+            </a:r>
+            <a:r>
+              <a:rPr lang="en-US" altLang="zh-CN" b="1" dirty="0">
+                <a:solidFill>
+                  <a:srgbClr val="FF0000"/>
+                </a:solidFill>
+              </a:rPr>
+              <a:t>100ms)</a:t>
+            </a:r>
+            <a:r>
+              <a:rPr lang="zh-CN" altLang="en-US" b="1" dirty="0">
+                <a:solidFill>
+                  <a:srgbClr val="FF0000"/>
+                </a:solidFill>
+              </a:rPr>
+              <a:t>被调用一次，采集系统的运行状态</a:t>
+            </a:r>
+            <a:endParaRPr lang="en-US" altLang="zh-CN" b="1" dirty="0" smtClean="0">
+              <a:solidFill>
+                <a:srgbClr val="FF0000"/>
+              </a:solidFill>
+            </a:endParaRPr>
+          </a:p>
+          <a:p>
+            <a:r>
+              <a:rPr lang="en-US" altLang="zh-CN" dirty="0" smtClean="0"/>
+              <a:t>void </a:t>
+            </a:r>
+            <a:r>
+              <a:rPr lang="en-US" altLang="zh-CN" dirty="0" err="1"/>
+              <a:t>main_control</a:t>
+            </a:r>
+            <a:r>
+              <a:rPr lang="en-US" altLang="zh-CN" dirty="0"/>
+              <a:t>(</a:t>
+            </a:r>
+            <a:r>
+              <a:rPr lang="en-US" altLang="zh-CN" dirty="0" err="1"/>
+              <a:t>int</a:t>
+            </a:r>
+            <a:r>
+              <a:rPr lang="en-US" altLang="zh-CN" dirty="0"/>
+              <a:t> *state)</a:t>
+            </a:r>
+          </a:p>
+          <a:p>
+            <a:r>
+              <a:rPr lang="en-US" altLang="zh-CN" dirty="0"/>
+              <a:t>{  </a:t>
+            </a:r>
+          </a:p>
+          <a:p>
+            <a:r>
+              <a:rPr lang="en-US" altLang="zh-CN" dirty="0"/>
+              <a:t>    if(</a:t>
+            </a:r>
+            <a:r>
+              <a:rPr lang="en-US" altLang="zh-CN" dirty="0" err="1"/>
+              <a:t>IsElevatorRunning</a:t>
+            </a:r>
+            <a:r>
+              <a:rPr lang="en-US" altLang="zh-CN" dirty="0"/>
+              <a:t>())</a:t>
+            </a:r>
+          </a:p>
+          <a:p>
+            <a:r>
+              <a:rPr lang="zh-CN" altLang="en-US" dirty="0"/>
+              <a:t>    </a:t>
+            </a:r>
+            <a:r>
+              <a:rPr lang="en-US" altLang="zh-CN" dirty="0"/>
+              <a:t>{</a:t>
+            </a:r>
+          </a:p>
+          <a:p>
+            <a:r>
+              <a:rPr lang="en-US" altLang="zh-CN" dirty="0" smtClean="0"/>
+              <a:t>       switch</a:t>
+            </a:r>
+            <a:r>
+              <a:rPr lang="en-US" altLang="zh-CN" dirty="0"/>
+              <a:t>(*state</a:t>
+            </a:r>
+            <a:r>
+              <a:rPr lang="en-US" altLang="zh-CN" dirty="0" smtClean="0"/>
+              <a:t>)  {</a:t>
+            </a:r>
+            <a:endParaRPr lang="en-US" altLang="zh-CN" dirty="0"/>
+          </a:p>
+          <a:p>
+            <a:r>
+              <a:rPr lang="en-US" altLang="zh-CN" dirty="0" smtClean="0"/>
+              <a:t>          case </a:t>
+            </a:r>
+            <a:r>
+              <a:rPr lang="en-US" altLang="zh-CN" dirty="0"/>
+              <a:t>Idle:</a:t>
+            </a:r>
+          </a:p>
+          <a:p>
+            <a:r>
+              <a:rPr lang="en-US" altLang="zh-CN" dirty="0" smtClean="0"/>
+              <a:t>          case </a:t>
+            </a:r>
+            <a:r>
+              <a:rPr lang="en-US" altLang="zh-CN" dirty="0" err="1"/>
+              <a:t>MovingUp</a:t>
+            </a:r>
+            <a:r>
+              <a:rPr lang="en-US" altLang="zh-CN" dirty="0"/>
+              <a:t>:</a:t>
+            </a:r>
+          </a:p>
+          <a:p>
+            <a:r>
+              <a:rPr lang="en-US" altLang="zh-CN" dirty="0" smtClean="0"/>
+              <a:t>          case </a:t>
+            </a:r>
+            <a:r>
+              <a:rPr lang="en-US" altLang="zh-CN" dirty="0" err="1"/>
+              <a:t>MovingDown</a:t>
+            </a:r>
+            <a:r>
+              <a:rPr lang="en-US" altLang="zh-CN" dirty="0"/>
+              <a:t>:</a:t>
+            </a:r>
+          </a:p>
+          <a:p>
+            <a:r>
+              <a:rPr lang="en-US" altLang="zh-CN" dirty="0" smtClean="0"/>
+              <a:t>          case </a:t>
+            </a:r>
+            <a:r>
+              <a:rPr lang="en-US" altLang="zh-CN" dirty="0" err="1"/>
+              <a:t>DoorOpen</a:t>
+            </a:r>
+            <a:r>
+              <a:rPr lang="en-US" altLang="zh-CN" dirty="0"/>
+              <a:t>:</a:t>
+            </a:r>
+          </a:p>
+          <a:p>
+            <a:r>
+              <a:rPr lang="en-US" altLang="zh-CN" dirty="0" smtClean="0"/>
+              <a:t>          case </a:t>
+            </a:r>
+            <a:r>
+              <a:rPr lang="en-US" altLang="zh-CN" dirty="0" err="1"/>
+              <a:t>DoorClosing</a:t>
+            </a:r>
+            <a:r>
+              <a:rPr lang="en-US" altLang="zh-CN" dirty="0" smtClean="0"/>
+              <a:t>:</a:t>
+            </a:r>
+            <a:endParaRPr lang="en-US" altLang="zh-CN" dirty="0"/>
+          </a:p>
+          <a:p>
+            <a:r>
+              <a:rPr lang="zh-CN" altLang="en-US" dirty="0"/>
+              <a:t>    </a:t>
+            </a:r>
+            <a:r>
+              <a:rPr lang="en-US" altLang="zh-CN" dirty="0" smtClean="0"/>
+              <a:t>}}</a:t>
+            </a:r>
+            <a:endParaRPr lang="en-US" altLang="zh-CN" dirty="0"/>
+          </a:p>
+          <a:p>
+            <a:r>
+              <a:rPr lang="en-US" altLang="zh-CN" dirty="0"/>
+              <a:t>}</a:t>
+            </a:r>
+          </a:p>
+        </p:txBody>
+      </p:sp>
+      <p:sp>
+        <p:nvSpPr>
+          <p:cNvPr id="6" name="TextBox 5"/>
+          <p:cNvSpPr txBox="1"/>
+          <p:nvPr/>
+        </p:nvSpPr>
+        <p:spPr>
+          <a:xfrm>
+            <a:off x="2267744" y="4516578"/>
+            <a:ext cx="1872208" cy="1754326"/>
+          </a:xfrm>
+          <a:prstGeom prst="rect">
+            <a:avLst/>
+          </a:prstGeom>
+          <a:noFill/>
+          <a:ln>
+            <a:solidFill>
+              <a:srgbClr val="FF0000"/>
+            </a:solidFill>
+          </a:ln>
+        </p:spPr>
+        <p:txBody>
+          <a:bodyPr wrap="square" rtlCol="0">
+            <a:spAutoFit/>
+          </a:bodyPr>
+          <a:lstStyle/>
+          <a:p>
+            <a:r>
+              <a:rPr lang="zh-CN" altLang="en-US" dirty="0" smtClean="0"/>
+              <a:t>要求：</a:t>
+            </a:r>
+            <a:endParaRPr lang="en-US" altLang="zh-CN" dirty="0" smtClean="0"/>
+          </a:p>
+          <a:p>
+            <a:pPr marL="342900" indent="-342900">
+              <a:buAutoNum type="arabicParenBoth"/>
+            </a:pPr>
+            <a:r>
+              <a:rPr lang="zh-CN" altLang="en-US" dirty="0" smtClean="0"/>
+              <a:t>画出状态机图；</a:t>
+            </a:r>
+            <a:endParaRPr lang="en-US" altLang="zh-CN" dirty="0" smtClean="0"/>
+          </a:p>
+          <a:p>
+            <a:pPr marL="342900" indent="-342900">
+              <a:buAutoNum type="arabicParenBoth"/>
+            </a:pPr>
+            <a:r>
+              <a:rPr lang="zh-CN" altLang="en-US" smtClean="0"/>
+              <a:t>描述功能</a:t>
+            </a:r>
+            <a:endParaRPr lang="en-US" altLang="zh-CN" dirty="0" smtClean="0"/>
+          </a:p>
+          <a:p>
+            <a:pPr marL="342900" indent="-342900">
+              <a:buAutoNum type="arabicParenBoth"/>
+            </a:pPr>
+            <a:r>
+              <a:rPr lang="zh-CN" altLang="en-US" dirty="0" smtClean="0"/>
+              <a:t>完成状态机代码。</a:t>
+            </a:r>
+            <a:endParaRPr lang="zh-CN" altLang="en-US" dirty="0"/>
+          </a:p>
+        </p:txBody>
+      </p:sp>
+      <p:pic>
+        <p:nvPicPr>
+          <p:cNvPr id="5122" name="Picture 2"/>
+          <p:cNvPicPr>
+            <a:picLocks noChangeAspect="1" noChangeArrowheads="1"/>
+          </p:cNvPicPr>
+          <p:nvPr/>
+        </p:nvPicPr>
+        <p:blipFill>
+          <a:blip r:embed="rId2">
+            <a:extLst>
+              <a:ext uri="{28A0092B-C50C-407E-A947-70E740481C1C}">
+                <a14:useLocalDpi xmlns:a14="http://schemas.microsoft.com/office/drawing/2010/main" val="0"/>
+              </a:ext>
+            </a:extLst>
+          </a:blip>
+          <a:srcRect/>
+          <a:stretch>
+            <a:fillRect/>
+          </a:stretch>
+        </p:blipFill>
+        <p:spPr bwMode="auto">
+          <a:xfrm>
+            <a:off x="179512" y="1176362"/>
+            <a:ext cx="1949450" cy="5060950"/>
+          </a:xfrm>
+          <a:prstGeom prst="rect">
+            <a:avLst/>
+          </a:prstGeom>
+          <a:noFill/>
+          <a:ln>
+            <a:noFill/>
+          </a:ln>
+          <a:extLst>
+            <a:ext uri="{909E8E84-426E-40DD-AFC4-6F175D3DCCD1}">
+              <a14:hiddenFill xmlns:a14="http://schemas.microsoft.com/office/drawing/2010/main">
+                <a:solidFill>
+                  <a:schemeClr val="accent1"/>
+                </a:solidFill>
+              </a14:hiddenFill>
+            </a:ext>
+            <a:ext uri="{91240B29-F687-4F45-9708-019B960494DF}">
+              <a14:hiddenLine xmlns:a14="http://schemas.microsoft.com/office/drawing/2010/main" w="9525">
+                <a:solidFill>
+                  <a:schemeClr val="tx1"/>
+                </a:solidFill>
+                <a:miter lim="800000"/>
+                <a:headEnd/>
+                <a:tailEnd/>
+              </a14:hiddenLine>
+            </a:ext>
+          </a:extLst>
+        </p:spPr>
+      </p:pic>
+    </p:spTree>
+    <p:extLst>
+      <p:ext uri="{BB962C8B-B14F-4D97-AF65-F5344CB8AC3E}">
+        <p14:creationId xmlns:p14="http://schemas.microsoft.com/office/powerpoint/2010/main" val="2585339564"/>
       </p:ext>
     </p:extLst>
   </p:cSld>
